--- a/Prezentace.pptx
+++ b/Prezentace.pptx
@@ -1476,7 +1476,7 @@
                 <a:spcPct val="100000"/>
               </a:lnSpc>
             </a:pPr>
-            <a:fld id="{B8E1334F-52FA-4E1E-AAF8-8D3B97F3C892}" type="slidenum">
+            <a:fld id="{0CF59491-F07E-4EF8-BAB0-FEBF787E11A0}" type="slidenum">
               <a:rPr b="0" lang="en-US" sz="1400" spc="-1" strike="noStrike">
                 <a:solidFill>
                   <a:srgbClr val="000000"/>
@@ -1484,7 +1484,7 @@
                 <a:latin typeface="Times New Roman"/>
                 <a:ea typeface="Segoe UI"/>
               </a:rPr>
-              <a:t>&lt;number&gt;</a:t>
+              <a:t>1</a:t>
             </a:fld>
             <a:endParaRPr b="0" lang="en-US" sz="1400" spc="-1" strike="noStrike">
               <a:latin typeface="Times New Roman"/>
